--- a/3ESPY/Aula_1.pptx
+++ b/3ESPY/Aula_1.pptx
@@ -11428,7 +11428,7 @@
         </p:nvSpPr>
         <p:spPr>
           <a:xfrm>
-            <a:off x="1591440" y="1879034"/>
+            <a:off x="1619818" y="1418681"/>
             <a:ext cx="5957456" cy="1446550"/>
           </a:xfrm>
           <a:prstGeom prst="rect">
@@ -11509,6 +11509,41 @@
           </a:prstGeom>
         </p:spPr>
       </p:pic>
+      <p:sp>
+        <p:nvSpPr>
+          <p:cNvPr id="3" name="CaixaDeTexto 2">
+            <a:extLst>
+              <a:ext uri="{FF2B5EF4-FFF2-40B4-BE49-F238E27FC236}">
+                <a16:creationId xmlns:a16="http://schemas.microsoft.com/office/drawing/2014/main" id="{C3F6FC78-E442-C759-4437-B88C1E90613A}"/>
+              </a:ext>
+            </a:extLst>
+          </p:cNvPr>
+          <p:cNvSpPr txBox="1"/>
+          <p:nvPr/>
+        </p:nvSpPr>
+        <p:spPr>
+          <a:xfrm>
+            <a:off x="2402664" y="2929261"/>
+            <a:ext cx="4572000" cy="369332"/>
+          </a:xfrm>
+          <a:prstGeom prst="rect">
+            <a:avLst/>
+          </a:prstGeom>
+          <a:noFill/>
+        </p:spPr>
+        <p:txBody>
+          <a:bodyPr wrap="square">
+            <a:spAutoFit/>
+          </a:bodyPr>
+          <a:lstStyle/>
+          <a:p>
+            <a:r>
+              <a:rPr lang="en-US" dirty="0"/>
+              <a:t>https://github.com/macintoxic/FIAP/</a:t>
+            </a:r>
+          </a:p>
+        </p:txBody>
+      </p:sp>
     </p:spTree>
     <p:extLst>
       <p:ext uri="{BB962C8B-B14F-4D97-AF65-F5344CB8AC3E}">
@@ -11823,14 +11858,14 @@
           </a:ln>
           <a:extLst>
             <a:ext uri="{909E8E84-426E-40dd-AFC4-6F175D3DCCD1}">
-              <a14:hiddenFill xmlns:a14="http://schemas.microsoft.com/office/drawing/2010/main" xmlns="">
+              <a14:hiddenFill xmlns="" xmlns:a14="http://schemas.microsoft.com/office/drawing/2010/main">
                 <a:solidFill>
                   <a:srgbClr val="FFFFFF"/>
                 </a:solidFill>
               </a14:hiddenFill>
             </a:ext>
             <a:ext uri="{91240B29-F687-4f45-9708-019B960494DF}">
-              <a14:hiddenLine xmlns:a14="http://schemas.microsoft.com/office/drawing/2010/main" xmlns="" w="9525">
+              <a14:hiddenLine xmlns="" xmlns:a14="http://schemas.microsoft.com/office/drawing/2010/main" w="9525">
                 <a:solidFill>
                   <a:srgbClr val="000000"/>
                 </a:solidFill>
@@ -13471,13 +13506,13 @@
   <p:clrMapOvr>
     <a:masterClrMapping/>
   </p:clrMapOvr>
-  <mc:AlternateContent xmlns:mc="http://schemas.openxmlformats.org/markup-compatibility/2006">
-    <mc:Choice xmlns:p14="http://schemas.microsoft.com/office/powerpoint/2010/main" Requires="p14">
+  <mc:AlternateContent xmlns:mc="http://schemas.openxmlformats.org/markup-compatibility/2006" xmlns:p14="http://schemas.microsoft.com/office/powerpoint/2010/main">
+    <mc:Choice Requires="p14">
       <p:transition spd="med" p14:dur="700">
         <p:fade/>
       </p:transition>
     </mc:Choice>
-    <mc:Fallback>
+    <mc:Fallback xmlns="">
       <p:transition spd="med">
         <p:fade/>
       </p:transition>
@@ -13722,13 +13757,13 @@
   <p:clrMapOvr>
     <a:masterClrMapping/>
   </p:clrMapOvr>
-  <mc:AlternateContent xmlns:mc="http://schemas.openxmlformats.org/markup-compatibility/2006">
-    <mc:Choice xmlns:p14="http://schemas.microsoft.com/office/powerpoint/2010/main" Requires="p14">
+  <mc:AlternateContent xmlns:mc="http://schemas.openxmlformats.org/markup-compatibility/2006" xmlns:p14="http://schemas.microsoft.com/office/powerpoint/2010/main">
+    <mc:Choice Requires="p14">
       <p:transition spd="med" p14:dur="700">
         <p:fade/>
       </p:transition>
     </mc:Choice>
-    <mc:Fallback>
+    <mc:Fallback xmlns="">
       <p:transition spd="med">
         <p:fade/>
       </p:transition>
@@ -13953,13 +13988,13 @@
   <p:clrMapOvr>
     <a:masterClrMapping/>
   </p:clrMapOvr>
-  <mc:AlternateContent xmlns:mc="http://schemas.openxmlformats.org/markup-compatibility/2006">
-    <mc:Choice xmlns:p14="http://schemas.microsoft.com/office/powerpoint/2010/main" Requires="p14">
+  <mc:AlternateContent xmlns:mc="http://schemas.openxmlformats.org/markup-compatibility/2006" xmlns:p14="http://schemas.microsoft.com/office/powerpoint/2010/main">
+    <mc:Choice Requires="p14">
       <p:transition spd="med" p14:dur="700">
         <p:fade/>
       </p:transition>
     </mc:Choice>
-    <mc:Fallback>
+    <mc:Fallback xmlns="">
       <p:transition spd="med">
         <p:fade/>
       </p:transition>
@@ -14337,13 +14372,13 @@
   <p:clrMapOvr>
     <a:masterClrMapping/>
   </p:clrMapOvr>
-  <mc:AlternateContent xmlns:mc="http://schemas.openxmlformats.org/markup-compatibility/2006">
-    <mc:Choice xmlns:p14="http://schemas.microsoft.com/office/powerpoint/2010/main" Requires="p14">
+  <mc:AlternateContent xmlns:mc="http://schemas.openxmlformats.org/markup-compatibility/2006" xmlns:p14="http://schemas.microsoft.com/office/powerpoint/2010/main">
+    <mc:Choice Requires="p14">
       <p:transition spd="med" p14:dur="700">
         <p:fade/>
       </p:transition>
     </mc:Choice>
-    <mc:Fallback>
+    <mc:Fallback xmlns="">
       <p:transition spd="med">
         <p:fade/>
       </p:transition>
@@ -14723,13 +14758,13 @@
   <p:clrMapOvr>
     <a:masterClrMapping/>
   </p:clrMapOvr>
-  <mc:AlternateContent xmlns:mc="http://schemas.openxmlformats.org/markup-compatibility/2006">
-    <mc:Choice xmlns:p14="http://schemas.microsoft.com/office/powerpoint/2010/main" Requires="p14">
+  <mc:AlternateContent xmlns:mc="http://schemas.openxmlformats.org/markup-compatibility/2006" xmlns:p14="http://schemas.microsoft.com/office/powerpoint/2010/main">
+    <mc:Choice Requires="p14">
       <p:transition spd="med" p14:dur="700">
         <p:fade/>
       </p:transition>
     </mc:Choice>
-    <mc:Fallback>
+    <mc:Fallback xmlns="">
       <p:transition spd="med">
         <p:fade/>
       </p:transition>
@@ -14982,13 +15017,13 @@
   <p:clrMapOvr>
     <a:masterClrMapping/>
   </p:clrMapOvr>
-  <mc:AlternateContent xmlns:mc="http://schemas.openxmlformats.org/markup-compatibility/2006">
-    <mc:Choice xmlns:p14="http://schemas.microsoft.com/office/powerpoint/2010/main" Requires="p14">
+  <mc:AlternateContent xmlns:mc="http://schemas.openxmlformats.org/markup-compatibility/2006" xmlns:p14="http://schemas.microsoft.com/office/powerpoint/2010/main">
+    <mc:Choice Requires="p14">
       <p:transition spd="med" p14:dur="700">
         <p:fade/>
       </p:transition>
     </mc:Choice>
-    <mc:Fallback>
+    <mc:Fallback xmlns="">
       <p:transition spd="med">
         <p:fade/>
       </p:transition>
